--- a/BDM/HW0.pptx
+++ b/BDM/HW0.pptx
@@ -2342,7 +2342,7 @@
             </a:pPr>
             <a:r>
               <a:rPr lang="en-US" altLang="zh-TW"/>
-              <a:t>Big Data Mining &amp; Applications, Fall 2023</a:t>
+              <a:t>Big Data Mining &amp; Applications, Fall 2024</a:t>
             </a:r>
           </a:p>
         </p:txBody>
@@ -2542,7 +2542,7 @@
             </a:pPr>
             <a:r>
               <a:rPr lang="en-US" altLang="zh-TW"/>
-              <a:t>Big Data Mining &amp; Applications, Fall 2023</a:t>
+              <a:t>Big Data Mining &amp; Applications, Fall 2024</a:t>
             </a:r>
           </a:p>
         </p:txBody>
@@ -2752,7 +2752,7 @@
             </a:pPr>
             <a:r>
               <a:rPr lang="en-US" altLang="zh-TW"/>
-              <a:t>Big Data Mining &amp; Applications, Fall 2023</a:t>
+              <a:t>Big Data Mining &amp; Applications, Fall 2024</a:t>
             </a:r>
           </a:p>
         </p:txBody>
@@ -2952,7 +2952,7 @@
             </a:pPr>
             <a:r>
               <a:rPr lang="en-US" altLang="zh-TW"/>
-              <a:t>Big Data Mining &amp; Applications, Fall 2023</a:t>
+              <a:t>Big Data Mining &amp; Applications, Fall 2024</a:t>
             </a:r>
           </a:p>
         </p:txBody>
@@ -3175,7 +3175,7 @@
             </a:pPr>
             <a:r>
               <a:rPr lang="en-US" altLang="zh-TW"/>
-              <a:t>Big Data Mining &amp; Applications, Fall 2023</a:t>
+              <a:t>Big Data Mining &amp; Applications, Fall 2024</a:t>
             </a:r>
           </a:p>
         </p:txBody>
@@ -3492,7 +3492,7 @@
             </a:pPr>
             <a:r>
               <a:rPr lang="en-US" altLang="zh-TW"/>
-              <a:t>Big Data Mining &amp; Applications, Fall 2023</a:t>
+              <a:t>Big Data Mining &amp; Applications, Fall 2024</a:t>
             </a:r>
           </a:p>
         </p:txBody>
@@ -3943,7 +3943,7 @@
             </a:pPr>
             <a:r>
               <a:rPr lang="en-US" altLang="zh-TW"/>
-              <a:t>Big Data Mining &amp; Applications, Fall 2023</a:t>
+              <a:t>Big Data Mining &amp; Applications, Fall 2024</a:t>
             </a:r>
           </a:p>
         </p:txBody>
@@ -4092,7 +4092,7 @@
             </a:pPr>
             <a:r>
               <a:rPr lang="en-US" altLang="zh-TW"/>
-              <a:t>Big Data Mining &amp; Applications, Fall 2023</a:t>
+              <a:t>Big Data Mining &amp; Applications, Fall 2024</a:t>
             </a:r>
           </a:p>
         </p:txBody>
@@ -4219,7 +4219,7 @@
             </a:pPr>
             <a:r>
               <a:rPr lang="en-US" altLang="zh-TW"/>
-              <a:t>Big Data Mining &amp; Applications, Fall 2023</a:t>
+              <a:t>Big Data Mining &amp; Applications, Fall 2024</a:t>
             </a:r>
           </a:p>
         </p:txBody>
@@ -4526,7 +4526,7 @@
             </a:pPr>
             <a:r>
               <a:rPr lang="en-US" altLang="zh-TW"/>
-              <a:t>Big Data Mining &amp; Applications, Fall 2023</a:t>
+              <a:t>Big Data Mining &amp; Applications, Fall 2024</a:t>
             </a:r>
           </a:p>
         </p:txBody>
@@ -4811,7 +4811,7 @@
             </a:pPr>
             <a:r>
               <a:rPr lang="en-US" altLang="zh-TW"/>
-              <a:t>Big Data Mining &amp; Applications, Fall 2023</a:t>
+              <a:t>Big Data Mining &amp; Applications, Fall 2024</a:t>
             </a:r>
           </a:p>
         </p:txBody>
@@ -5156,7 +5156,7 @@
             </a:pPr>
             <a:r>
               <a:rPr lang="en-US" altLang="zh-TW"/>
-              <a:t>Big Data Mining &amp; Applications, Fall 2023</a:t>
+              <a:t>Big Data Mining &amp; Applications, Fall 2024</a:t>
             </a:r>
           </a:p>
         </p:txBody>
@@ -5757,17 +5757,13 @@
           <a:p>
             <a:pPr eaLnBrk="1" hangingPunct="1"/>
             <a:r>
-              <a:rPr lang="en-US" altLang="zh-TW"/>
-              <a:t>Big DataMining: HW#0</a:t>
-            </a:r>
-            <a:r>
-              <a:rPr lang="en-US" altLang="zh-TW" sz="4000"/>
-              <a:t/>
+              <a:rPr lang="en-US" altLang="zh-TW" dirty="0"/>
+              <a:t>Big Data Mining: HW#0</a:t>
             </a:r>
             <a:br>
-              <a:rPr lang="en-US" altLang="zh-TW" sz="4000"/>
+              <a:rPr lang="en-US" altLang="zh-TW" sz="4000" dirty="0"/>
             </a:br>
-            <a:endParaRPr lang="en-US" altLang="zh-TW" sz="4000"/>
+            <a:endParaRPr lang="en-US" altLang="zh-TW" sz="4000" dirty="0"/>
           </a:p>
         </p:txBody>
       </p:sp>
@@ -5788,27 +5784,19 @@
           <a:p>
             <a:pPr eaLnBrk="1" hangingPunct="1"/>
             <a:r>
-              <a:rPr lang="en-US" altLang="zh-TW"/>
-              <a:t>J</a:t>
-            </a:r>
-            <a:r>
               <a:rPr lang="en-US" altLang="zh-TW" dirty="0"/>
-              <a:t>. H. Wang</a:t>
+              <a:t>J. H. Wang</a:t>
             </a:r>
           </a:p>
           <a:p>
             <a:pPr eaLnBrk="1" hangingPunct="1"/>
             <a:r>
-              <a:rPr lang="en-US" altLang="zh-CN"/>
+              <a:rPr lang="en-US" altLang="zh-CN" dirty="0"/>
               <a:t>Oct</a:t>
             </a:r>
             <a:r>
-              <a:rPr lang="en-US" altLang="zh-TW"/>
-              <a:t>. 12, </a:t>
-            </a:r>
-            <a:r>
               <a:rPr lang="en-US" altLang="zh-TW" dirty="0"/>
-              <a:t>2023</a:t>
+              <a:t>. 6, 2024</a:t>
             </a:r>
           </a:p>
         </p:txBody>
@@ -5948,7 +5936,7 @@
                   <a:srgbClr val="0000FF"/>
                 </a:solidFill>
               </a:rPr>
-              <a:t>Java</a:t>
+              <a:t>Or Java</a:t>
             </a:r>
             <a:r>
               <a:rPr lang="en-US" altLang="zh-TW" sz="2400" dirty="0">
@@ -6166,7 +6154,7 @@
               <a:rPr kumimoji="0" lang="en-US" altLang="zh-TW" sz="1400">
                 <a:latin typeface="Arial" panose="020B0604020202020204" pitchFamily="34" charset="0"/>
               </a:rPr>
-              <a:t>Big Data Mining &amp; Applications, Fall 2023</a:t>
+              <a:t>Big Data Mining &amp; Applications, Fall 2024</a:t>
             </a:r>
           </a:p>
         </p:txBody>
@@ -6691,19 +6679,23 @@
           <a:p>
             <a:r>
               <a:rPr lang="en-US" altLang="zh-TW" sz="2400" dirty="0"/>
-              <a:t>Due: </a:t>
-            </a:r>
-            <a:r>
-              <a:rPr lang="en-US" altLang="zh-TW" sz="2400" smtClean="0"/>
-              <a:t>one week (</a:t>
-            </a:r>
-            <a:r>
-              <a:rPr lang="en-US" altLang="zh-TW" sz="2400" dirty="0" smtClean="0">
+              <a:t>Due: one week (</a:t>
+            </a:r>
+            <a:r>
+              <a:rPr lang="en-US" altLang="zh-TW" sz="2400" dirty="0">
                 <a:solidFill>
                   <a:srgbClr val="FF0000"/>
                 </a:solidFill>
               </a:rPr>
-              <a:t>Oct</a:t>
+              <a:t>Oct. </a:t>
+            </a:r>
+            <a:r>
+              <a:rPr lang="en-US" altLang="zh-TW" sz="2400">
+                <a:solidFill>
+                  <a:srgbClr val="FF0000"/>
+                </a:solidFill>
+              </a:rPr>
+              <a:t>16, </a:t>
             </a:r>
             <a:r>
               <a:rPr lang="en-US" altLang="zh-TW" sz="2400" dirty="0">
@@ -6711,23 +6703,7 @@
                   <a:srgbClr val="FF0000"/>
                 </a:solidFill>
               </a:rPr>
-              <a:t>. </a:t>
-            </a:r>
-            <a:r>
-              <a:rPr lang="en-US" altLang="zh-TW" sz="2400" dirty="0" smtClean="0">
-                <a:solidFill>
-                  <a:srgbClr val="FF0000"/>
-                </a:solidFill>
-              </a:rPr>
-              <a:t>19, </a:t>
-            </a:r>
-            <a:r>
-              <a:rPr lang="en-US" altLang="zh-TW" sz="2400" dirty="0">
-                <a:solidFill>
-                  <a:srgbClr val="FF0000"/>
-                </a:solidFill>
-              </a:rPr>
-              <a:t>2023</a:t>
+              <a:t>2024</a:t>
             </a:r>
             <a:r>
               <a:rPr lang="en-US" altLang="zh-TW" sz="2400" dirty="0"/>
@@ -6895,7 +6871,7 @@
               <a:rPr kumimoji="0" lang="en-US" altLang="zh-TW" sz="1400">
                 <a:latin typeface="Arial" panose="020B0604020202020204" pitchFamily="34" charset="0"/>
               </a:rPr>
-              <a:t>Big Data Mining &amp; Applications, Fall 2023</a:t>
+              <a:t>Big Data Mining &amp; Applications, Fall 2024</a:t>
             </a:r>
           </a:p>
         </p:txBody>
@@ -7498,7 +7474,7 @@
               <a:rPr kumimoji="0" lang="en-US" altLang="zh-TW" sz="1400">
                 <a:latin typeface="Arial" panose="020B0604020202020204" pitchFamily="34" charset="0"/>
               </a:rPr>
-              <a:t>Big Data Mining &amp; Applications, Fall 2023</a:t>
+              <a:t>Big Data Mining &amp; Applications, Fall 2024</a:t>
             </a:r>
           </a:p>
         </p:txBody>
@@ -8136,7 +8112,7 @@
               <a:rPr kumimoji="0" lang="en-US" altLang="zh-TW" sz="1400">
                 <a:latin typeface="Arial" panose="020B0604020202020204" pitchFamily="34" charset="0"/>
               </a:rPr>
-              <a:t>Big Data Mining &amp; Applications, Fall 2023</a:t>
+              <a:t>Big Data Mining &amp; Applications, Fall 2024</a:t>
             </a:r>
           </a:p>
         </p:txBody>
@@ -8665,7 +8641,7 @@
               <a:rPr kumimoji="0" lang="en-US" altLang="zh-TW" sz="1400">
                 <a:latin typeface="Arial" panose="020B0604020202020204" pitchFamily="34" charset="0"/>
               </a:rPr>
-              <a:t>Big Data Mining &amp; Applications, Fall 2023</a:t>
+              <a:t>Big Data Mining &amp; Applications, Fall 2024</a:t>
             </a:r>
           </a:p>
         </p:txBody>
@@ -9212,7 +9188,7 @@
               <a:rPr kumimoji="0" lang="en-US" altLang="zh-TW" sz="1400">
                 <a:latin typeface="Arial" panose="020B0604020202020204" pitchFamily="34" charset="0"/>
               </a:rPr>
-              <a:t>Big Data Mining &amp; Applications, Fall 2023</a:t>
+              <a:t>Big Data Mining &amp; Applications, Fall 2024</a:t>
             </a:r>
           </a:p>
         </p:txBody>
@@ -9872,7 +9848,7 @@
               <a:rPr kumimoji="0" lang="en-US" altLang="zh-TW" sz="1400">
                 <a:latin typeface="Arial" panose="020B0604020202020204" pitchFamily="34" charset="0"/>
               </a:rPr>
-              <a:t>Big Data Mining &amp; Applications, Fall 2023</a:t>
+              <a:t>Big Data Mining &amp; Applications, Fall 2024</a:t>
             </a:r>
           </a:p>
         </p:txBody>
@@ -10638,7 +10614,7 @@
               <a:defRPr/>
             </a:pPr>
             <a:r>
-              <a:rPr lang="en-US" altLang="zh-TW" sz="2400"/>
+              <a:rPr lang="en-US" altLang="zh-TW" sz="2400" dirty="0"/>
               <a:t>Tasks</a:t>
             </a:r>
           </a:p>
@@ -10649,7 +10625,7 @@
               <a:defRPr/>
             </a:pPr>
             <a:r>
-              <a:rPr lang="en-US" altLang="zh-TW" sz="2000"/>
+              <a:rPr lang="en-US" altLang="zh-TW" sz="2000" dirty="0"/>
               <a:t>Performing simple statistics on numeric data (as detailed in the following slides)</a:t>
             </a:r>
           </a:p>
@@ -10658,11 +10634,11 @@
               <a:defRPr/>
             </a:pPr>
             <a:r>
-              <a:rPr lang="en-US" altLang="zh-TW" sz="2400"/>
+              <a:rPr lang="en-US" altLang="zh-TW" sz="2400" dirty="0"/>
               <a:t>Data: an open dataset from </a:t>
             </a:r>
             <a:r>
-              <a:rPr lang="en-US" altLang="zh-TW" sz="2400">
+              <a:rPr lang="en-US" altLang="zh-TW" sz="2400" dirty="0">
                 <a:solidFill>
                   <a:srgbClr val="0000FF"/>
                 </a:solidFill>
@@ -10675,7 +10651,7 @@
               <a:defRPr/>
             </a:pPr>
             <a:r>
-              <a:rPr lang="en-US" altLang="zh-TW" sz="2400"/>
+              <a:rPr lang="en-US" altLang="zh-TW" sz="2400" dirty="0"/>
               <a:t>You have to submit the generated output</a:t>
             </a:r>
           </a:p>
@@ -10684,10 +10660,9 @@
               <a:defRPr/>
             </a:pPr>
             <a:r>
-              <a:rPr lang="en-US" altLang="zh-TW" sz="2400"/>
+              <a:rPr lang="en-US" altLang="zh-TW" sz="2400" dirty="0"/>
               <a:t>You also have to output the efficiency (running time) of each task</a:t>
             </a:r>
-            <a:endParaRPr lang="en-US" altLang="zh-TW" sz="2400" dirty="0"/>
           </a:p>
         </p:txBody>
       </p:sp>
@@ -10879,7 +10854,7 @@
               <a:rPr kumimoji="0" lang="en-US" altLang="zh-TW" sz="1400">
                 <a:latin typeface="Arial" panose="020B0604020202020204" pitchFamily="34" charset="0"/>
               </a:rPr>
-              <a:t>Big Data Mining &amp; Applications, Fall 2023</a:t>
+              <a:t>Big Data Mining &amp; Applications, Fall 2024</a:t>
             </a:r>
           </a:p>
         </p:txBody>
@@ -11702,7 +11677,7 @@
               <a:rPr kumimoji="0" lang="en-US" altLang="zh-TW" sz="1400">
                 <a:latin typeface="Arial" panose="020B0604020202020204" pitchFamily="34" charset="0"/>
               </a:rPr>
-              <a:t>Big Data Mining &amp; Applications, Fall 2023</a:t>
+              <a:t>Big Data Mining &amp; Applications, Fall 2024</a:t>
             </a:r>
           </a:p>
         </p:txBody>
@@ -12324,7 +12299,7 @@
               <a:rPr kumimoji="0" lang="en-US" altLang="zh-TW" sz="1400">
                 <a:latin typeface="Arial" panose="020B0604020202020204" pitchFamily="34" charset="0"/>
               </a:rPr>
-              <a:t>Big Data Mining &amp; Applications, Fall 2023</a:t>
+              <a:t>Big Data Mining &amp; Applications, Fall 2024</a:t>
             </a:r>
           </a:p>
         </p:txBody>
@@ -12742,26 +12717,26 @@
           <a:lstStyle/>
           <a:p>
             <a:r>
-              <a:rPr lang="en-US" altLang="zh-TW" sz="2400"/>
-              <a:t>(1) 3 values: min, max, count</a:t>
-            </a:r>
-          </a:p>
-          <a:p>
-            <a:r>
-              <a:rPr lang="en-US" altLang="zh-TW" sz="2400"/>
-              <a:t>(2) 2 values: mean, standard deviation</a:t>
-            </a:r>
-          </a:p>
-          <a:p>
-            <a:r>
-              <a:rPr lang="en-US" altLang="zh-TW" sz="2400"/>
+              <a:rPr lang="en-US" altLang="zh-TW" sz="2400" dirty="0"/>
+              <a:t>(1) 4*3 values: min, max, count of 4 columns</a:t>
+            </a:r>
+          </a:p>
+          <a:p>
+            <a:r>
+              <a:rPr lang="en-US" altLang="zh-TW" sz="2400" dirty="0"/>
+              <a:t>(2) 4*2 values: mean, standard deviation of 4 columns</a:t>
+            </a:r>
+          </a:p>
+          <a:p>
+            <a:r>
+              <a:rPr lang="en-US" altLang="zh-TW" sz="2400" dirty="0"/>
               <a:t>(3) 1 file:</a:t>
             </a:r>
           </a:p>
           <a:p>
             <a:pPr lvl="1"/>
             <a:r>
-              <a:rPr lang="en-US" altLang="zh-TW" sz="2400"/>
+              <a:rPr lang="en-US" altLang="zh-TW" sz="2400" dirty="0"/>
               <a:t>Each line: &lt;normalized global active power&gt;, &lt;normalized global reactive power&gt;, &lt;normalized voltage&gt;, and &lt;normalized global intensity&gt;</a:t>
             </a:r>
           </a:p>
@@ -12925,7 +12900,7 @@
               <a:rPr kumimoji="0" lang="en-US" altLang="zh-TW" sz="1400">
                 <a:latin typeface="Arial" panose="020B0604020202020204" pitchFamily="34" charset="0"/>
               </a:rPr>
-              <a:t>Big Data Mining &amp; Applications, Fall 2023</a:t>
+              <a:t>Big Data Mining &amp; Applications, Fall 2024</a:t>
             </a:r>
           </a:p>
         </p:txBody>
@@ -13516,7 +13491,7 @@
               <a:rPr kumimoji="0" lang="en-US" altLang="zh-TW" sz="1400">
                 <a:latin typeface="Arial" panose="020B0604020202020204" pitchFamily="34" charset="0"/>
               </a:rPr>
-              <a:t>Big Data Mining &amp; Applications, Fall 2023</a:t>
+              <a:t>Big Data Mining &amp; Applications, Fall 2024</a:t>
             </a:r>
           </a:p>
         </p:txBody>
@@ -14109,7 +14084,7 @@
               <a:rPr kumimoji="0" lang="en-US" altLang="zh-TW" sz="1400">
                 <a:latin typeface="Arial" panose="020B0604020202020204" pitchFamily="34" charset="0"/>
               </a:rPr>
-              <a:t>Big Data Mining &amp; Applications, Fall 2023</a:t>
+              <a:t>Big Data Mining &amp; Applications, Fall 2024</a:t>
             </a:r>
           </a:p>
         </p:txBody>
@@ -15752,21 +15727,12 @@
 </file>
 
 <file path=customXml/item1.xml><?xml version="1.0" encoding="utf-8"?>
-<?mso-contentType ?>
-<FormTemplates xmlns="http://schemas.microsoft.com/sharepoint/v3/contenttype/forms">
-  <Display>DocumentLibraryForm</Display>
-  <Edit>DocumentLibraryForm</Edit>
-  <New>DocumentLibraryForm</New>
-</FormTemplates>
-</file>
-
-<file path=customXml/item2.xml><?xml version="1.0" encoding="utf-8"?>
 <p:properties xmlns:p="http://schemas.microsoft.com/office/2006/metadata/properties" xmlns:xsi="http://www.w3.org/2001/XMLSchema-instance" xmlns:pc="http://schemas.microsoft.com/office/infopath/2007/PartnerControls">
   <documentManagement/>
 </p:properties>
 </file>
 
-<file path=customXml/item3.xml><?xml version="1.0" encoding="utf-8"?>
+<file path=customXml/item2.xml><?xml version="1.0" encoding="utf-8"?>
 <ct:contentTypeSchema xmlns:ct="http://schemas.microsoft.com/office/2006/metadata/contentType" xmlns:ma="http://schemas.microsoft.com/office/2006/metadata/properties/metaAttributes" ct:_="" ma:_="" ma:contentTypeName="文件" ma:contentTypeID="0x010100CD7C3B1DE9EC174B8BA3B585D24F6191" ma:contentTypeVersion="9" ma:contentTypeDescription="建立新的文件。" ma:contentTypeScope="" ma:versionID="fc8995282d5575718c8545977d9a162e">
   <xsd:schema xmlns:xsd="http://www.w3.org/2001/XMLSchema" xmlns:xs="http://www.w3.org/2001/XMLSchema" xmlns:p="http://schemas.microsoft.com/office/2006/metadata/properties" xmlns:ns2="87d63e5e-dbb1-48d6-b55e-f31be5250adf" xmlns:ns3="5ec4d5cc-f3e4-4cb6-9660-c3ee0f8ba627" targetNamespace="http://schemas.microsoft.com/office/2006/metadata/properties" ma:root="true" ma:fieldsID="d106560f30a6cbf1f3ea6f6476f43159" ns2:_="" ns3:_="">
     <xsd:import namespace="87d63e5e-dbb1-48d6-b55e-f31be5250adf"/>
@@ -15961,15 +15927,16 @@
 </ct:contentTypeSchema>
 </file>
 
-<file path=customXml/itemProps1.xml><?xml version="1.0" encoding="utf-8"?>
-<ds:datastoreItem xmlns:ds="http://schemas.openxmlformats.org/officeDocument/2006/customXml" ds:itemID="{6A1B13E3-E4E8-4EF1-807D-F507603EC49A}">
-  <ds:schemaRefs>
-    <ds:schemaRef ds:uri="http://schemas.microsoft.com/sharepoint/v3/contenttype/forms"/>
-  </ds:schemaRefs>
-</ds:datastoreItem>
+<file path=customXml/item3.xml><?xml version="1.0" encoding="utf-8"?>
+<?mso-contentType ?>
+<FormTemplates xmlns="http://schemas.microsoft.com/sharepoint/v3/contenttype/forms">
+  <Display>DocumentLibraryForm</Display>
+  <Edit>DocumentLibraryForm</Edit>
+  <New>DocumentLibraryForm</New>
+</FormTemplates>
 </file>
 
-<file path=customXml/itemProps2.xml><?xml version="1.0" encoding="utf-8"?>
+<file path=customXml/itemProps1.xml><?xml version="1.0" encoding="utf-8"?>
 <ds:datastoreItem xmlns:ds="http://schemas.openxmlformats.org/officeDocument/2006/customXml" ds:itemID="{9D3C8F21-5442-4811-AD37-E39D2F83CAEB}">
   <ds:schemaRefs>
     <ds:schemaRef ds:uri="http://schemas.microsoft.com/office/2006/metadata/properties"/>
@@ -15978,7 +15945,7 @@
 </ds:datastoreItem>
 </file>
 
-<file path=customXml/itemProps3.xml><?xml version="1.0" encoding="utf-8"?>
+<file path=customXml/itemProps2.xml><?xml version="1.0" encoding="utf-8"?>
 <ds:datastoreItem xmlns:ds="http://schemas.openxmlformats.org/officeDocument/2006/customXml" ds:itemID="{A9E17236-6D06-44D8-BAC3-9DC19FA3E275}">
   <ds:schemaRefs>
     <ds:schemaRef ds:uri="http://schemas.microsoft.com/office/2006/metadata/contentType"/>
@@ -15995,4 +15962,12 @@
     <ds:schemaRef ds:uri="http://schemas.microsoft.com/internal/obd"/>
   </ds:schemaRefs>
 </ds:datastoreItem>
+</file>
+
+<file path=customXml/itemProps3.xml><?xml version="1.0" encoding="utf-8"?>
+<ds:datastoreItem xmlns:ds="http://schemas.openxmlformats.org/officeDocument/2006/customXml" ds:itemID="{6A1B13E3-E4E8-4EF1-807D-F507603EC49A}">
+  <ds:schemaRefs>
+    <ds:schemaRef ds:uri="http://schemas.microsoft.com/sharepoint/v3/contenttype/forms"/>
+  </ds:schemaRefs>
+</ds:datastoreItem>
 </file>
--- a/BDM/HW0.pptx
+++ b/BDM/HW0.pptx
@@ -9583,7 +9583,7 @@
               </a:lnSpc>
             </a:pPr>
             <a:r>
-              <a:rPr lang="en-US" altLang="zh-TW" sz="2400"/>
+              <a:rPr lang="en-US" altLang="zh-TW" sz="2400" dirty="0"/>
               <a:t>Goal: Getting familiar with your big data mining environment and writing your first data analysis program</a:t>
             </a:r>
           </a:p>
@@ -9593,7 +9593,7 @@
                 <a:spcPct val="80000"/>
               </a:lnSpc>
             </a:pPr>
-            <a:endParaRPr lang="en-US" altLang="zh-TW" sz="2000"/>
+            <a:endParaRPr lang="en-US" altLang="zh-TW" sz="2000" dirty="0"/>
           </a:p>
           <a:p>
             <a:pPr lvl="1" indent="-342900" eaLnBrk="1" hangingPunct="1">
@@ -9604,20 +9604,8 @@
               <a:buChar char="•"/>
             </a:pPr>
             <a:r>
-              <a:rPr lang="en-US" altLang="zh-TW" sz="2000"/>
-              <a:t>MapReduce on </a:t>
-            </a:r>
-            <a:r>
-              <a:rPr lang="en-US" altLang="zh-TW" sz="2000">
-                <a:solidFill>
-                  <a:srgbClr val="0000FF"/>
-                </a:solidFill>
-              </a:rPr>
-              <a:t>single-node</a:t>
-            </a:r>
-            <a:r>
-              <a:rPr lang="en-US" altLang="zh-TW" sz="2000"/>
-              <a:t> Spark (for CS students)</a:t>
+              <a:rPr lang="en-US" altLang="zh-TW" sz="2000" dirty="0"/>
+              <a:t>MapReduce on Spark (for CS students)</a:t>
             </a:r>
           </a:p>
           <a:p>
@@ -9629,8 +9617,16 @@
               <a:buChar char="•"/>
             </a:pPr>
             <a:r>
-              <a:rPr lang="en-US" altLang="zh-TW" sz="2000"/>
-              <a:t>or Python in Jupyter Notebook (for others)</a:t>
+              <a:rPr lang="en-US" altLang="zh-TW" sz="2000" dirty="0"/>
+              <a:t>or Python in </a:t>
+            </a:r>
+            <a:r>
+              <a:rPr lang="en-US" altLang="zh-TW" sz="2000" dirty="0" err="1"/>
+              <a:t>Jupyter</a:t>
+            </a:r>
+            <a:r>
+              <a:rPr lang="en-US" altLang="zh-TW" sz="2000" dirty="0"/>
+              <a:t> Notebook (for others)</a:t>
             </a:r>
           </a:p>
           <a:p>
@@ -9639,7 +9635,7 @@
                 <a:spcPct val="80000"/>
               </a:lnSpc>
             </a:pPr>
-            <a:endParaRPr lang="en-US" altLang="zh-TW" sz="2000"/>
+            <a:endParaRPr lang="en-US" altLang="zh-TW" sz="2000" dirty="0"/>
           </a:p>
           <a:p>
             <a:pPr eaLnBrk="1" hangingPunct="1">
@@ -9648,7 +9644,7 @@
               </a:lnSpc>
             </a:pPr>
             <a:r>
-              <a:rPr lang="en-US" altLang="zh-TW" sz="2400"/>
+              <a:rPr lang="en-US" altLang="zh-TW" sz="2400" dirty="0"/>
               <a:t>Input: Numeric data (to be detailed later)</a:t>
             </a:r>
           </a:p>
@@ -9659,7 +9655,7 @@
               </a:lnSpc>
             </a:pPr>
             <a:r>
-              <a:rPr lang="en-US" altLang="zh-TW" sz="2400"/>
+              <a:rPr lang="en-US" altLang="zh-TW" sz="2400" dirty="0"/>
               <a:t>Output: Results of simple statistics (to be detailed later)</a:t>
             </a:r>
           </a:p>
@@ -15727,12 +15723,6 @@
 </file>
 
 <file path=customXml/item1.xml><?xml version="1.0" encoding="utf-8"?>
-<p:properties xmlns:p="http://schemas.microsoft.com/office/2006/metadata/properties" xmlns:xsi="http://www.w3.org/2001/XMLSchema-instance" xmlns:pc="http://schemas.microsoft.com/office/infopath/2007/PartnerControls">
-  <documentManagement/>
-</p:properties>
-</file>
-
-<file path=customXml/item2.xml><?xml version="1.0" encoding="utf-8"?>
 <ct:contentTypeSchema xmlns:ct="http://schemas.microsoft.com/office/2006/metadata/contentType" xmlns:ma="http://schemas.microsoft.com/office/2006/metadata/properties/metaAttributes" ct:_="" ma:_="" ma:contentTypeName="文件" ma:contentTypeID="0x010100CD7C3B1DE9EC174B8BA3B585D24F6191" ma:contentTypeVersion="9" ma:contentTypeDescription="建立新的文件。" ma:contentTypeScope="" ma:versionID="fc8995282d5575718c8545977d9a162e">
   <xsd:schema xmlns:xsd="http://www.w3.org/2001/XMLSchema" xmlns:xs="http://www.w3.org/2001/XMLSchema" xmlns:p="http://schemas.microsoft.com/office/2006/metadata/properties" xmlns:ns2="87d63e5e-dbb1-48d6-b55e-f31be5250adf" xmlns:ns3="5ec4d5cc-f3e4-4cb6-9660-c3ee0f8ba627" targetNamespace="http://schemas.microsoft.com/office/2006/metadata/properties" ma:root="true" ma:fieldsID="d106560f30a6cbf1f3ea6f6476f43159" ns2:_="" ns3:_="">
     <xsd:import namespace="87d63e5e-dbb1-48d6-b55e-f31be5250adf"/>
@@ -15927,6 +15917,12 @@
 </ct:contentTypeSchema>
 </file>
 
+<file path=customXml/item2.xml><?xml version="1.0" encoding="utf-8"?>
+<p:properties xmlns:p="http://schemas.microsoft.com/office/2006/metadata/properties" xmlns:xsi="http://www.w3.org/2001/XMLSchema-instance" xmlns:pc="http://schemas.microsoft.com/office/infopath/2007/PartnerControls">
+  <documentManagement/>
+</p:properties>
+</file>
+
 <file path=customXml/item3.xml><?xml version="1.0" encoding="utf-8"?>
 <?mso-contentType ?>
 <FormTemplates xmlns="http://schemas.microsoft.com/sharepoint/v3/contenttype/forms">
@@ -15937,15 +15933,6 @@
 </file>
 
 <file path=customXml/itemProps1.xml><?xml version="1.0" encoding="utf-8"?>
-<ds:datastoreItem xmlns:ds="http://schemas.openxmlformats.org/officeDocument/2006/customXml" ds:itemID="{9D3C8F21-5442-4811-AD37-E39D2F83CAEB}">
-  <ds:schemaRefs>
-    <ds:schemaRef ds:uri="http://schemas.microsoft.com/office/2006/metadata/properties"/>
-    <ds:schemaRef ds:uri="http://schemas.microsoft.com/office/infopath/2007/PartnerControls"/>
-  </ds:schemaRefs>
-</ds:datastoreItem>
-</file>
-
-<file path=customXml/itemProps2.xml><?xml version="1.0" encoding="utf-8"?>
 <ds:datastoreItem xmlns:ds="http://schemas.openxmlformats.org/officeDocument/2006/customXml" ds:itemID="{A9E17236-6D06-44D8-BAC3-9DC19FA3E275}">
   <ds:schemaRefs>
     <ds:schemaRef ds:uri="http://schemas.microsoft.com/office/2006/metadata/contentType"/>
@@ -15964,6 +15951,15 @@
 </ds:datastoreItem>
 </file>
 
+<file path=customXml/itemProps2.xml><?xml version="1.0" encoding="utf-8"?>
+<ds:datastoreItem xmlns:ds="http://schemas.openxmlformats.org/officeDocument/2006/customXml" ds:itemID="{9D3C8F21-5442-4811-AD37-E39D2F83CAEB}">
+  <ds:schemaRefs>
+    <ds:schemaRef ds:uri="http://schemas.microsoft.com/office/2006/metadata/properties"/>
+    <ds:schemaRef ds:uri="http://schemas.microsoft.com/office/infopath/2007/PartnerControls"/>
+  </ds:schemaRefs>
+</ds:datastoreItem>
+</file>
+
 <file path=customXml/itemProps3.xml><?xml version="1.0" encoding="utf-8"?>
 <ds:datastoreItem xmlns:ds="http://schemas.openxmlformats.org/officeDocument/2006/customXml" ds:itemID="{6A1B13E3-E4E8-4EF1-807D-F507603EC49A}">
   <ds:schemaRefs>
